--- a/DengAI_PP_1.pptx
+++ b/DengAI_PP_1.pptx
@@ -14,10 +14,9 @@
     <p:sldId id="261" r:id="rId8"/>
     <p:sldId id="262" r:id="rId9"/>
     <p:sldId id="263" r:id="rId10"/>
-    <p:sldId id="264" r:id="rId11"/>
-    <p:sldId id="268" r:id="rId12"/>
-    <p:sldId id="267" r:id="rId13"/>
-    <p:sldId id="260" r:id="rId14"/>
+    <p:sldId id="268" r:id="rId11"/>
+    <p:sldId id="264" r:id="rId12"/>
+    <p:sldId id="260" r:id="rId13"/>
   </p:sldIdLst>
   <p:sldSz cx="12192000" cy="6858000"/>
   <p:notesSz cx="6858000" cy="9144000"/>
@@ -194,7 +193,7 @@
         </pc:spChg>
       </pc:sldChg>
       <pc:sldChg chg="del">
-        <pc:chgData name="Маша Дериглазова" userId="d3b36895ca4eb5f9" providerId="Windows Live" clId="Web-{EC85FB72-E7DB-4349-92BC-5C0FC8F95AB6}" dt="2018-06-05T09:15:18.876" v="48"/>
+        <pc:chgData name="Маша Дериглазова" userId="d3b36895ca4eb5f9" providerId="Windows Live" clId="Web-{EC85FB72-E7DB-4349-92BC-5C0FC8F95AB6}" dt="2018-06-05T09:15:18.876" v="48" actId="14100"/>
         <pc:sldMkLst>
           <pc:docMk/>
           <pc:sldMk cId="1751189485" sldId="265"/>
@@ -207,7 +206,7 @@
           <pc:sldMk cId="2980265979" sldId="268"/>
         </pc:sldMkLst>
         <pc:spChg chg="del">
-          <ac:chgData name="Маша Дериглазова" userId="d3b36895ca4eb5f9" providerId="Windows Live" clId="Web-{EC85FB72-E7DB-4349-92BC-5C0FC8F95AB6}" dt="2018-06-05T09:18:18.422" v="112"/>
+          <ac:chgData name="Маша Дериглазова" userId="d3b36895ca4eb5f9" providerId="Windows Live" clId="Web-{EC85FB72-E7DB-4349-92BC-5C0FC8F95AB6}" dt="2018-06-05T09:18:18.422" v="112" actId="14100"/>
           <ac:spMkLst>
             <pc:docMk/>
             <pc:sldMk cId="2980265979" sldId="268"/>
@@ -270,7 +269,7 @@
           </ac:spMkLst>
         </pc:spChg>
         <pc:spChg chg="del">
-          <ac:chgData name="Маша Дериглазова" userId="d3b36895ca4eb5f9" providerId="Windows Live" clId="Web-{7ABD841F-2D65-461B-BCCD-A268E472EB52}" dt="2018-06-05T09:38:56.455" v="1"/>
+          <ac:chgData name="Маша Дериглазова" userId="d3b36895ca4eb5f9" providerId="Windows Live" clId="Web-{7ABD841F-2D65-461B-BCCD-A268E472EB52}" dt="2018-06-05T09:38:56.455" v="1" actId="14100"/>
           <ac:spMkLst>
             <pc:docMk/>
             <pc:sldMk cId="2235359285" sldId="269"/>
@@ -492,7 +491,7 @@
           <a:p>
             <a:fld id="{9A0DC0E2-826C-46CC-AD1F-64B058F73BC4}" type="slidenum">
               <a:rPr lang="de-DE" smtClean="0"/>
-              <a:t>‹#›</a:t>
+              <a:t>‹Nr.›</a:t>
             </a:fld>
             <a:endParaRPr lang="de-DE"/>
           </a:p>
@@ -690,7 +689,7 @@
           <a:p>
             <a:fld id="{9A0DC0E2-826C-46CC-AD1F-64B058F73BC4}" type="slidenum">
               <a:rPr lang="de-DE" smtClean="0"/>
-              <a:t>‹#›</a:t>
+              <a:t>‹Nr.›</a:t>
             </a:fld>
             <a:endParaRPr lang="de-DE"/>
           </a:p>
@@ -898,7 +897,7 @@
           <a:p>
             <a:fld id="{9A0DC0E2-826C-46CC-AD1F-64B058F73BC4}" type="slidenum">
               <a:rPr lang="de-DE" smtClean="0"/>
-              <a:t>‹#›</a:t>
+              <a:t>‹Nr.›</a:t>
             </a:fld>
             <a:endParaRPr lang="de-DE"/>
           </a:p>
@@ -1096,7 +1095,7 @@
           <a:p>
             <a:fld id="{9A0DC0E2-826C-46CC-AD1F-64B058F73BC4}" type="slidenum">
               <a:rPr lang="de-DE" smtClean="0"/>
-              <a:t>‹#›</a:t>
+              <a:t>‹Nr.›</a:t>
             </a:fld>
             <a:endParaRPr lang="de-DE"/>
           </a:p>
@@ -1371,7 +1370,7 @@
           <a:p>
             <a:fld id="{9A0DC0E2-826C-46CC-AD1F-64B058F73BC4}" type="slidenum">
               <a:rPr lang="de-DE" smtClean="0"/>
-              <a:t>‹#›</a:t>
+              <a:t>‹Nr.›</a:t>
             </a:fld>
             <a:endParaRPr lang="de-DE"/>
           </a:p>
@@ -1636,7 +1635,7 @@
           <a:p>
             <a:fld id="{9A0DC0E2-826C-46CC-AD1F-64B058F73BC4}" type="slidenum">
               <a:rPr lang="de-DE" smtClean="0"/>
-              <a:t>‹#›</a:t>
+              <a:t>‹Nr.›</a:t>
             </a:fld>
             <a:endParaRPr lang="de-DE"/>
           </a:p>
@@ -2048,7 +2047,7 @@
           <a:p>
             <a:fld id="{9A0DC0E2-826C-46CC-AD1F-64B058F73BC4}" type="slidenum">
               <a:rPr lang="de-DE" smtClean="0"/>
-              <a:t>‹#›</a:t>
+              <a:t>‹Nr.›</a:t>
             </a:fld>
             <a:endParaRPr lang="de-DE"/>
           </a:p>
@@ -2189,7 +2188,7 @@
           <a:p>
             <a:fld id="{9A0DC0E2-826C-46CC-AD1F-64B058F73BC4}" type="slidenum">
               <a:rPr lang="de-DE" smtClean="0"/>
-              <a:t>‹#›</a:t>
+              <a:t>‹Nr.›</a:t>
             </a:fld>
             <a:endParaRPr lang="de-DE"/>
           </a:p>
@@ -2302,7 +2301,7 @@
           <a:p>
             <a:fld id="{9A0DC0E2-826C-46CC-AD1F-64B058F73BC4}" type="slidenum">
               <a:rPr lang="de-DE" smtClean="0"/>
-              <a:t>‹#›</a:t>
+              <a:t>‹Nr.›</a:t>
             </a:fld>
             <a:endParaRPr lang="de-DE"/>
           </a:p>
@@ -2613,7 +2612,7 @@
           <a:p>
             <a:fld id="{9A0DC0E2-826C-46CC-AD1F-64B058F73BC4}" type="slidenum">
               <a:rPr lang="de-DE" smtClean="0"/>
-              <a:t>‹#›</a:t>
+              <a:t>‹Nr.›</a:t>
             </a:fld>
             <a:endParaRPr lang="de-DE"/>
           </a:p>
@@ -2901,7 +2900,7 @@
           <a:p>
             <a:fld id="{9A0DC0E2-826C-46CC-AD1F-64B058F73BC4}" type="slidenum">
               <a:rPr lang="de-DE" smtClean="0"/>
-              <a:t>‹#›</a:t>
+              <a:t>‹Nr.›</a:t>
             </a:fld>
             <a:endParaRPr lang="de-DE"/>
           </a:p>
@@ -3178,7 +3177,7 @@
           <a:p>
             <a:fld id="{9A0DC0E2-826C-46CC-AD1F-64B058F73BC4}" type="slidenum">
               <a:rPr lang="de-DE" smtClean="0"/>
-              <a:t>‹#›</a:t>
+              <a:t>‹Nr.›</a:t>
             </a:fld>
             <a:endParaRPr lang="de-DE"/>
           </a:p>
@@ -3641,139 +3640,6 @@
       </p:grpSpPr>
       <p:sp>
         <p:nvSpPr>
-          <p:cNvPr id="2" name="Titel 1">
-            <a:extLst>
-              <a:ext uri="{FF2B5EF4-FFF2-40B4-BE49-F238E27FC236}">
-                <a16:creationId xmlns:a16="http://schemas.microsoft.com/office/drawing/2014/main" id="{1140DB77-4D6C-4151-AB2D-95070C5DBDEF}"/>
-              </a:ext>
-            </a:extLst>
-          </p:cNvPr>
-          <p:cNvSpPr>
-            <a:spLocks noGrp="1"/>
-          </p:cNvSpPr>
-          <p:nvPr>
-            <p:ph type="title"/>
-          </p:nvPr>
-        </p:nvSpPr>
-        <p:spPr/>
-        <p:txBody>
-          <a:bodyPr/>
-          <a:lstStyle/>
-          <a:p>
-            <a:r>
-              <a:rPr lang="de-DE" dirty="0"/>
-              <a:t>First </a:t>
-            </a:r>
-            <a:r>
-              <a:rPr lang="de-DE" dirty="0" err="1"/>
-              <a:t>tries</a:t>
-            </a:r>
-            <a:endParaRPr lang="de-DE" dirty="0"/>
-          </a:p>
-        </p:txBody>
-      </p:sp>
-      <p:sp>
-        <p:nvSpPr>
-          <p:cNvPr id="3" name="Inhaltsplatzhalter 2">
-            <a:extLst>
-              <a:ext uri="{FF2B5EF4-FFF2-40B4-BE49-F238E27FC236}">
-                <a16:creationId xmlns:a16="http://schemas.microsoft.com/office/drawing/2014/main" id="{73955EC3-E0A1-4FAE-BDEF-97CD2BD1C5DC}"/>
-              </a:ext>
-            </a:extLst>
-          </p:cNvPr>
-          <p:cNvSpPr>
-            <a:spLocks noGrp="1"/>
-          </p:cNvSpPr>
-          <p:nvPr>
-            <p:ph idx="1"/>
-          </p:nvPr>
-        </p:nvSpPr>
-        <p:spPr/>
-        <p:txBody>
-          <a:bodyPr vert="horz" lIns="91440" tIns="45720" rIns="91440" bIns="45720" rtlCol="0" anchor="t">
-            <a:normAutofit/>
-          </a:bodyPr>
-          <a:lstStyle/>
-          <a:p>
-            <a:r>
-              <a:rPr lang="de-DE" dirty="0" err="1"/>
-              <a:t>Some</a:t>
-            </a:r>
-            <a:r>
-              <a:rPr lang="de-DE" dirty="0"/>
-              <a:t> simple Poisson-&amp; Negative </a:t>
-            </a:r>
-            <a:r>
-              <a:rPr lang="de-DE" dirty="0" err="1"/>
-              <a:t>Binomial</a:t>
-            </a:r>
-            <a:r>
-              <a:rPr lang="de-DE" dirty="0"/>
-              <a:t>/</a:t>
-            </a:r>
-            <a:r>
-              <a:rPr lang="de-DE" dirty="0" err="1"/>
-              <a:t>models</a:t>
-            </a:r>
-          </a:p>
-          <a:p>
-            <a:r>
-              <a:rPr lang="de-DE" dirty="0">
-                <a:cs typeface="Calibri"/>
-              </a:rPr>
-              <a:t>ARIMA</a:t>
-            </a:r>
-          </a:p>
-          <a:p>
-            <a:endParaRPr lang="de-DE" dirty="0"/>
-          </a:p>
-          <a:p>
-            <a:pPr marL="0" indent="0">
-              <a:buNone/>
-            </a:pPr>
-            <a:endParaRPr lang="de-DE" dirty="0" err="1">
-              <a:cs typeface="Calibri"/>
-            </a:endParaRPr>
-          </a:p>
-          <a:p>
-            <a:endParaRPr lang="de-DE" dirty="0">
-              <a:cs typeface="Calibri"/>
-            </a:endParaRPr>
-          </a:p>
-        </p:txBody>
-      </p:sp>
-    </p:spTree>
-    <p:extLst>
-      <p:ext uri="{BB962C8B-B14F-4D97-AF65-F5344CB8AC3E}">
-        <p14:creationId xmlns:p14="http://schemas.microsoft.com/office/powerpoint/2010/main" val="3394893604"/>
-      </p:ext>
-    </p:extLst>
-  </p:cSld>
-  <p:clrMapOvr>
-    <a:masterClrMapping/>
-  </p:clrMapOvr>
-</p:sld>
-</file>
-
-<file path=ppt/slides/slide11.xml><?xml version="1.0" encoding="utf-8"?>
-<p:sld xmlns:a="http://schemas.openxmlformats.org/drawingml/2006/main" xmlns:r="http://schemas.openxmlformats.org/officeDocument/2006/relationships" xmlns:p="http://schemas.openxmlformats.org/presentationml/2006/main">
-  <p:cSld>
-    <p:spTree>
-      <p:nvGrpSpPr>
-        <p:cNvPr id="1" name=""/>
-        <p:cNvGrpSpPr/>
-        <p:nvPr/>
-      </p:nvGrpSpPr>
-      <p:grpSpPr>
-        <a:xfrm>
-          <a:off x="0" y="0"/>
-          <a:ext cx="0" cy="0"/>
-          <a:chOff x="0" y="0"/>
-          <a:chExt cx="0" cy="0"/>
-        </a:xfrm>
-      </p:grpSpPr>
-      <p:sp>
-        <p:nvSpPr>
           <p:cNvPr id="3" name="Объект 2">
             <a:extLst>
               <a:ext uri="{FF2B5EF4-FFF2-40B4-BE49-F238E27FC236}">
@@ -3871,6 +3737,308 @@
 </p:sld>
 </file>
 
+<file path=ppt/slides/slide11.xml><?xml version="1.0" encoding="utf-8"?>
+<p:sld xmlns:a="http://schemas.openxmlformats.org/drawingml/2006/main" xmlns:r="http://schemas.openxmlformats.org/officeDocument/2006/relationships" xmlns:p="http://schemas.openxmlformats.org/presentationml/2006/main">
+  <p:cSld>
+    <p:spTree>
+      <p:nvGrpSpPr>
+        <p:cNvPr id="1" name=""/>
+        <p:cNvGrpSpPr/>
+        <p:nvPr/>
+      </p:nvGrpSpPr>
+      <p:grpSpPr>
+        <a:xfrm>
+          <a:off x="0" y="0"/>
+          <a:ext cx="0" cy="0"/>
+          <a:chOff x="0" y="0"/>
+          <a:chExt cx="0" cy="0"/>
+        </a:xfrm>
+      </p:grpSpPr>
+      <p:sp>
+        <p:nvSpPr>
+          <p:cNvPr id="2" name="Titel 1">
+            <a:extLst>
+              <a:ext uri="{FF2B5EF4-FFF2-40B4-BE49-F238E27FC236}">
+                <a16:creationId xmlns:a16="http://schemas.microsoft.com/office/drawing/2014/main" id="{1140DB77-4D6C-4151-AB2D-95070C5DBDEF}"/>
+              </a:ext>
+            </a:extLst>
+          </p:cNvPr>
+          <p:cNvSpPr>
+            <a:spLocks noGrp="1"/>
+          </p:cNvSpPr>
+          <p:nvPr>
+            <p:ph type="title"/>
+          </p:nvPr>
+        </p:nvSpPr>
+        <p:spPr/>
+        <p:txBody>
+          <a:bodyPr/>
+          <a:lstStyle/>
+          <a:p>
+            <a:r>
+              <a:rPr lang="de-DE" dirty="0"/>
+              <a:t>First </a:t>
+            </a:r>
+            <a:r>
+              <a:rPr lang="de-DE" dirty="0" err="1"/>
+              <a:t>tries</a:t>
+            </a:r>
+            <a:endParaRPr lang="de-DE" dirty="0"/>
+          </a:p>
+        </p:txBody>
+      </p:sp>
+      <p:sp>
+        <p:nvSpPr>
+          <p:cNvPr id="3" name="Inhaltsplatzhalter 2">
+            <a:extLst>
+              <a:ext uri="{FF2B5EF4-FFF2-40B4-BE49-F238E27FC236}">
+                <a16:creationId xmlns:a16="http://schemas.microsoft.com/office/drawing/2014/main" id="{73955EC3-E0A1-4FAE-BDEF-97CD2BD1C5DC}"/>
+              </a:ext>
+            </a:extLst>
+          </p:cNvPr>
+          <p:cNvSpPr>
+            <a:spLocks noGrp="1"/>
+          </p:cNvSpPr>
+          <p:nvPr>
+            <p:ph idx="1"/>
+          </p:nvPr>
+        </p:nvSpPr>
+        <p:spPr/>
+        <p:txBody>
+          <a:bodyPr vert="horz" lIns="91440" tIns="45720" rIns="91440" bIns="45720" rtlCol="0" anchor="t">
+            <a:normAutofit/>
+          </a:bodyPr>
+          <a:lstStyle/>
+          <a:p>
+            <a:r>
+              <a:rPr lang="de-DE" dirty="0" err="1"/>
+              <a:t>Some</a:t>
+            </a:r>
+            <a:r>
+              <a:rPr lang="de-DE" dirty="0"/>
+              <a:t> simple Poisson-&amp; Negative </a:t>
+            </a:r>
+            <a:r>
+              <a:rPr lang="de-DE" dirty="0" err="1"/>
+              <a:t>Binomial</a:t>
+            </a:r>
+            <a:r>
+              <a:rPr lang="de-DE" dirty="0"/>
+              <a:t>/</a:t>
+            </a:r>
+            <a:r>
+              <a:rPr lang="de-DE" dirty="0" err="1"/>
+              <a:t>models</a:t>
+            </a:r>
+            <a:r>
+              <a:rPr lang="de-DE" dirty="0"/>
+              <a:t> on all </a:t>
+            </a:r>
+            <a:r>
+              <a:rPr lang="de-DE" dirty="0" err="1"/>
+              <a:t>the</a:t>
+            </a:r>
+            <a:r>
+              <a:rPr lang="de-DE" dirty="0"/>
+              <a:t> </a:t>
+            </a:r>
+            <a:r>
+              <a:rPr lang="de-DE" dirty="0" err="1"/>
+              <a:t>data</a:t>
+            </a:r>
+            <a:endParaRPr lang="de-DE" dirty="0"/>
+          </a:p>
+          <a:p>
+            <a:pPr lvl="1"/>
+            <a:endParaRPr lang="de-DE" dirty="0" err="1"/>
+          </a:p>
+          <a:p>
+            <a:r>
+              <a:rPr lang="de-DE" dirty="0">
+                <a:cs typeface="Calibri"/>
+              </a:rPr>
+              <a:t>ARIMA on </a:t>
+            </a:r>
+            <a:r>
+              <a:rPr lang="de-DE" dirty="0" err="1">
+                <a:cs typeface="Calibri"/>
+              </a:rPr>
+              <a:t>the</a:t>
+            </a:r>
+            <a:r>
+              <a:rPr lang="de-DE" dirty="0">
+                <a:cs typeface="Calibri"/>
+              </a:rPr>
+              <a:t> total </a:t>
+            </a:r>
+            <a:r>
+              <a:rPr lang="de-DE" dirty="0" err="1">
+                <a:cs typeface="Calibri"/>
+              </a:rPr>
+              <a:t>cases</a:t>
+            </a:r>
+            <a:endParaRPr lang="de-DE" dirty="0">
+              <a:cs typeface="Calibri"/>
+            </a:endParaRPr>
+          </a:p>
+          <a:p>
+            <a:pPr lvl="1"/>
+            <a:r>
+              <a:rPr lang="de-DE" dirty="0">
+                <a:cs typeface="Calibri"/>
+              </a:rPr>
+              <a:t>Univariate</a:t>
+            </a:r>
+          </a:p>
+          <a:p>
+            <a:pPr lvl="1"/>
+            <a:r>
+              <a:rPr lang="de-DE" dirty="0" err="1">
+                <a:cs typeface="Calibri"/>
+              </a:rPr>
+              <a:t>Stationary</a:t>
+            </a:r>
+            <a:endParaRPr lang="de-DE" dirty="0">
+              <a:cs typeface="Calibri"/>
+            </a:endParaRPr>
+          </a:p>
+          <a:p>
+            <a:pPr lvl="1"/>
+            <a:r>
+              <a:rPr lang="de-DE" dirty="0" err="1">
+                <a:cs typeface="Calibri"/>
+              </a:rPr>
+              <a:t>Good</a:t>
+            </a:r>
+            <a:r>
+              <a:rPr lang="de-DE" dirty="0">
+                <a:cs typeface="Calibri"/>
+              </a:rPr>
+              <a:t> at </a:t>
+            </a:r>
+            <a:r>
+              <a:rPr lang="de-DE" dirty="0" err="1">
+                <a:cs typeface="Calibri"/>
+              </a:rPr>
+              <a:t>approximating</a:t>
+            </a:r>
+            <a:r>
+              <a:rPr lang="de-DE" dirty="0">
+                <a:cs typeface="Calibri"/>
+              </a:rPr>
+              <a:t> </a:t>
+            </a:r>
+            <a:r>
+              <a:rPr lang="de-DE" dirty="0" err="1">
+                <a:cs typeface="Calibri"/>
+              </a:rPr>
+              <a:t>historical</a:t>
+            </a:r>
+            <a:r>
+              <a:rPr lang="de-DE" dirty="0">
+                <a:cs typeface="Calibri"/>
+              </a:rPr>
+              <a:t> </a:t>
+            </a:r>
+            <a:r>
+              <a:rPr lang="de-DE" dirty="0" err="1">
+                <a:cs typeface="Calibri"/>
+              </a:rPr>
+              <a:t>patterns</a:t>
+            </a:r>
+            <a:endParaRPr lang="de-DE" dirty="0">
+              <a:cs typeface="Calibri"/>
+            </a:endParaRPr>
+          </a:p>
+          <a:p>
+            <a:pPr lvl="1"/>
+            <a:r>
+              <a:rPr lang="de-DE" dirty="0" err="1">
+                <a:cs typeface="Calibri"/>
+              </a:rPr>
+              <a:t>Improvement</a:t>
+            </a:r>
+            <a:r>
+              <a:rPr lang="de-DE" dirty="0">
+                <a:cs typeface="Calibri"/>
+              </a:rPr>
+              <a:t>: </a:t>
+            </a:r>
+            <a:r>
+              <a:rPr lang="de-DE" dirty="0" err="1">
+                <a:cs typeface="Calibri"/>
+              </a:rPr>
+              <a:t>climate</a:t>
+            </a:r>
+            <a:r>
+              <a:rPr lang="de-DE" dirty="0">
+                <a:cs typeface="Calibri"/>
+              </a:rPr>
+              <a:t> variables </a:t>
+            </a:r>
+            <a:r>
+              <a:rPr lang="de-DE" dirty="0" err="1">
+                <a:cs typeface="Calibri"/>
+              </a:rPr>
+              <a:t>as</a:t>
+            </a:r>
+            <a:r>
+              <a:rPr lang="de-DE" dirty="0">
+                <a:cs typeface="Calibri"/>
+              </a:rPr>
+              <a:t> external </a:t>
+            </a:r>
+            <a:r>
+              <a:rPr lang="de-DE" dirty="0" err="1">
+                <a:cs typeface="Calibri"/>
+              </a:rPr>
+              <a:t>regressor</a:t>
+            </a:r>
+            <a:endParaRPr lang="de-DE" dirty="0">
+              <a:cs typeface="Calibri"/>
+            </a:endParaRPr>
+          </a:p>
+          <a:p>
+            <a:endParaRPr lang="de-DE" dirty="0">
+              <a:cs typeface="Calibri"/>
+            </a:endParaRPr>
+          </a:p>
+          <a:p>
+            <a:endParaRPr lang="de-DE" dirty="0">
+              <a:cs typeface="Calibri"/>
+            </a:endParaRPr>
+          </a:p>
+          <a:p>
+            <a:endParaRPr lang="de-DE" dirty="0"/>
+          </a:p>
+          <a:p>
+            <a:pPr marL="0" indent="0">
+              <a:buNone/>
+            </a:pPr>
+            <a:endParaRPr lang="de-DE" dirty="0" err="1">
+              <a:cs typeface="Calibri"/>
+            </a:endParaRPr>
+          </a:p>
+          <a:p>
+            <a:endParaRPr lang="de-DE" dirty="0">
+              <a:cs typeface="Calibri"/>
+            </a:endParaRPr>
+          </a:p>
+        </p:txBody>
+      </p:sp>
+    </p:spTree>
+    <p:extLst>
+      <p:ext uri="{BB962C8B-B14F-4D97-AF65-F5344CB8AC3E}">
+        <p14:creationId xmlns:p14="http://schemas.microsoft.com/office/powerpoint/2010/main" val="3394893604"/>
+      </p:ext>
+    </p:extLst>
+  </p:cSld>
+  <p:clrMapOvr>
+    <a:masterClrMapping/>
+  </p:clrMapOvr>
+</p:sld>
+</file>
+
 <file path=ppt/slides/slide12.xml><?xml version="1.0" encoding="utf-8"?>
 <p:sld xmlns:a="http://schemas.openxmlformats.org/drawingml/2006/main" xmlns:r="http://schemas.openxmlformats.org/officeDocument/2006/relationships" xmlns:p="http://schemas.openxmlformats.org/presentationml/2006/main">
   <p:cSld>
@@ -3893,203 +4061,6 @@
           <p:cNvPr id="2" name="Titel 1">
             <a:extLst>
               <a:ext uri="{FF2B5EF4-FFF2-40B4-BE49-F238E27FC236}">
-                <a16:creationId xmlns:a16="http://schemas.microsoft.com/office/drawing/2014/main" id="{F6B0BDF4-6D36-4C5F-B8DD-FCD22058FC11}"/>
-              </a:ext>
-            </a:extLst>
-          </p:cNvPr>
-          <p:cNvSpPr>
-            <a:spLocks noGrp="1"/>
-          </p:cNvSpPr>
-          <p:nvPr>
-            <p:ph type="title"/>
-          </p:nvPr>
-        </p:nvSpPr>
-        <p:spPr/>
-        <p:txBody>
-          <a:bodyPr/>
-          <a:lstStyle/>
-          <a:p>
-            <a:r>
-              <a:rPr lang="de-DE" dirty="0">
-                <a:cs typeface="Calibri Light"/>
-              </a:rPr>
-              <a:t>ARIMA</a:t>
-            </a:r>
-            <a:endParaRPr lang="de-DE" dirty="0"/>
-          </a:p>
-        </p:txBody>
-      </p:sp>
-      <p:sp>
-        <p:nvSpPr>
-          <p:cNvPr id="3" name="Inhaltsplatzhalter 2">
-            <a:extLst>
-              <a:ext uri="{FF2B5EF4-FFF2-40B4-BE49-F238E27FC236}">
-                <a16:creationId xmlns:a16="http://schemas.microsoft.com/office/drawing/2014/main" id="{BF83CEEA-E113-44BC-AAEA-EFE196B0B1D3}"/>
-              </a:ext>
-            </a:extLst>
-          </p:cNvPr>
-          <p:cNvSpPr>
-            <a:spLocks noGrp="1"/>
-          </p:cNvSpPr>
-          <p:nvPr>
-            <p:ph idx="1"/>
-          </p:nvPr>
-        </p:nvSpPr>
-        <p:spPr/>
-        <p:txBody>
-          <a:bodyPr vert="horz" lIns="91440" tIns="45720" rIns="91440" bIns="45720" rtlCol="0" anchor="t">
-            <a:normAutofit/>
-          </a:bodyPr>
-          <a:lstStyle/>
-          <a:p>
-            <a:r>
-              <a:rPr lang="de-DE" dirty="0">
-                <a:cs typeface="Calibri"/>
-              </a:rPr>
-              <a:t>Non </a:t>
-            </a:r>
-            <a:r>
-              <a:rPr lang="de-DE" dirty="0" err="1">
-                <a:cs typeface="Calibri"/>
-              </a:rPr>
-              <a:t>stationary</a:t>
-            </a:r>
-          </a:p>
-          <a:p>
-            <a:r>
-              <a:rPr lang="de-DE" dirty="0" err="1">
-                <a:cs typeface="Calibri"/>
-              </a:rPr>
-              <a:t>Good</a:t>
-            </a:r>
-            <a:r>
-              <a:rPr lang="de-DE" dirty="0">
-                <a:cs typeface="Calibri"/>
-              </a:rPr>
-              <a:t> at </a:t>
-            </a:r>
-            <a:r>
-              <a:rPr lang="de-DE" dirty="0" err="1">
-                <a:cs typeface="Calibri"/>
-              </a:rPr>
-              <a:t>approximating</a:t>
-            </a:r>
-            <a:r>
-              <a:rPr lang="de-DE" dirty="0">
-                <a:cs typeface="Calibri"/>
-              </a:rPr>
-              <a:t> </a:t>
-            </a:r>
-            <a:r>
-              <a:rPr lang="de-DE" dirty="0" err="1">
-                <a:cs typeface="Calibri"/>
-              </a:rPr>
-              <a:t>historical</a:t>
-            </a:r>
-            <a:r>
-              <a:rPr lang="de-DE" dirty="0">
-                <a:cs typeface="Calibri"/>
-              </a:rPr>
-              <a:t> </a:t>
-            </a:r>
-            <a:r>
-              <a:rPr lang="de-DE" dirty="0" err="1">
-                <a:cs typeface="Calibri"/>
-              </a:rPr>
-              <a:t>patterns</a:t>
-            </a:r>
-          </a:p>
-          <a:p>
-            <a:r>
-              <a:rPr lang="de-DE" dirty="0" err="1">
-                <a:cs typeface="Calibri"/>
-              </a:rPr>
-              <a:t>Improvement</a:t>
-            </a:r>
-            <a:r>
-              <a:rPr lang="de-DE" dirty="0">
-                <a:cs typeface="Calibri"/>
-              </a:rPr>
-              <a:t>: </a:t>
-            </a:r>
-            <a:r>
-              <a:rPr lang="de-DE" dirty="0" err="1">
-                <a:cs typeface="Calibri"/>
-              </a:rPr>
-              <a:t>climate</a:t>
-            </a:r>
-            <a:r>
-              <a:rPr lang="de-DE" dirty="0">
-                <a:cs typeface="Calibri"/>
-              </a:rPr>
-              <a:t> variables </a:t>
-            </a:r>
-            <a:r>
-              <a:rPr lang="de-DE" dirty="0" err="1">
-                <a:cs typeface="Calibri"/>
-              </a:rPr>
-              <a:t>as</a:t>
-            </a:r>
-            <a:r>
-              <a:rPr lang="de-DE" dirty="0">
-                <a:cs typeface="Calibri"/>
-              </a:rPr>
-              <a:t> external </a:t>
-            </a:r>
-            <a:r>
-              <a:rPr lang="de-DE" dirty="0" err="1">
-                <a:cs typeface="Calibri"/>
-              </a:rPr>
-              <a:t>regressor</a:t>
-            </a:r>
-          </a:p>
-          <a:p>
-            <a:endParaRPr lang="de-DE" dirty="0">
-              <a:cs typeface="Calibri"/>
-            </a:endParaRPr>
-          </a:p>
-          <a:p>
-            <a:endParaRPr lang="de-DE" dirty="0">
-              <a:cs typeface="Calibri"/>
-            </a:endParaRPr>
-          </a:p>
-        </p:txBody>
-      </p:sp>
-    </p:spTree>
-    <p:extLst>
-      <p:ext uri="{BB962C8B-B14F-4D97-AF65-F5344CB8AC3E}">
-        <p14:creationId xmlns:p14="http://schemas.microsoft.com/office/powerpoint/2010/main" val="3536450006"/>
-      </p:ext>
-    </p:extLst>
-  </p:cSld>
-  <p:clrMapOvr>
-    <a:masterClrMapping/>
-  </p:clrMapOvr>
-</p:sld>
-</file>
-
-<file path=ppt/slides/slide13.xml><?xml version="1.0" encoding="utf-8"?>
-<p:sld xmlns:a="http://schemas.openxmlformats.org/drawingml/2006/main" xmlns:r="http://schemas.openxmlformats.org/officeDocument/2006/relationships" xmlns:p="http://schemas.openxmlformats.org/presentationml/2006/main">
-  <p:cSld>
-    <p:spTree>
-      <p:nvGrpSpPr>
-        <p:cNvPr id="1" name=""/>
-        <p:cNvGrpSpPr/>
-        <p:nvPr/>
-      </p:nvGrpSpPr>
-      <p:grpSpPr>
-        <a:xfrm>
-          <a:off x="0" y="0"/>
-          <a:ext cx="0" cy="0"/>
-          <a:chOff x="0" y="0"/>
-          <a:chExt cx="0" cy="0"/>
-        </a:xfrm>
-      </p:grpSpPr>
-      <p:sp>
-        <p:nvSpPr>
-          <p:cNvPr id="2" name="Titel 1">
-            <a:extLst>
-              <a:ext uri="{FF2B5EF4-FFF2-40B4-BE49-F238E27FC236}">
                 <a16:creationId xmlns:a16="http://schemas.microsoft.com/office/drawing/2014/main" id="{32EC1851-A915-43A4-9D17-B9A1EAAFD7E9}"/>
               </a:ext>
             </a:extLst>
@@ -4228,6 +4199,17 @@
               <a:rPr lang="de-DE" dirty="0"/>
               <a:t> Time)</a:t>
             </a:r>
+          </a:p>
+          <a:p>
+            <a:r>
+              <a:rPr lang="de-DE" dirty="0"/>
+              <a:t>Model </a:t>
+            </a:r>
+            <a:r>
+              <a:rPr lang="de-DE" dirty="0" err="1"/>
+              <a:t>Selection</a:t>
+            </a:r>
+            <a:endParaRPr lang="de-DE" dirty="0"/>
           </a:p>
           <a:p>
             <a:endParaRPr lang="de-DE" dirty="0"/>
@@ -4677,7 +4659,7 @@
               <a:rPr lang="en-GB" dirty="0">
                 <a:cs typeface="Calibri"/>
               </a:rPr>
-              <a:t>Evaluation: MSE</a:t>
+              <a:t>Evaluation: Mean Absolute Error (MAE) </a:t>
             </a:r>
           </a:p>
         </p:txBody>
@@ -4781,6 +4763,13 @@
           </a:p>
           <a:p>
             <a:r>
+              <a:rPr lang="de-DE" dirty="0" err="1"/>
+              <a:t>Epidemics</a:t>
+            </a:r>
+            <a:endParaRPr lang="de-DE" dirty="0"/>
+          </a:p>
+          <a:p>
+            <a:r>
               <a:rPr lang="de-DE" dirty="0"/>
               <a:t>Strong </a:t>
             </a:r>
@@ -4887,7 +4876,15 @@
             </a:r>
             <a:r>
               <a:rPr lang="de-DE" dirty="0"/>
-              <a:t> (San Juan)</a:t>
+              <a:t> (</a:t>
+            </a:r>
+            <a:r>
+              <a:rPr lang="de-DE"/>
+              <a:t>Cases in San </a:t>
+            </a:r>
+            <a:r>
+              <a:rPr lang="de-DE" dirty="0"/>
+              <a:t>Juan)</a:t>
             </a:r>
           </a:p>
         </p:txBody>
@@ -5014,28 +5011,22 @@
           <a:lstStyle/>
           <a:p>
             <a:r>
-              <a:rPr lang="ru-RU" dirty="0" err="1">
-                <a:cs typeface="Calibri Light"/>
-              </a:rPr>
-              <a:t>Descriptives</a:t>
-            </a:r>
-            <a:r>
               <a:rPr lang="ru-RU" dirty="0">
                 <a:cs typeface="Calibri Light"/>
               </a:rPr>
-              <a:t> (</a:t>
-            </a:r>
-            <a:r>
-              <a:rPr lang="ru-RU" dirty="0" err="1">
+              <a:t>Descriptives (</a:t>
+            </a:r>
+            <a:r>
+              <a:rPr lang="de-DE" dirty="0">
                 <a:cs typeface="Calibri Light"/>
               </a:rPr>
-              <a:t>Iquitos</a:t>
+              <a:t>Cases in </a:t>
             </a:r>
             <a:r>
               <a:rPr lang="ru-RU" dirty="0">
                 <a:cs typeface="Calibri Light"/>
               </a:rPr>
-              <a:t>)</a:t>
+              <a:t>Iquitos)</a:t>
             </a:r>
             <a:endParaRPr lang="ru-RU" dirty="0"/>
           </a:p>
